--- a/C++/Tutoring/Lectures/WS-24/STL/STL.pptx
+++ b/C++/Tutoring/Lectures/WS-24/STL/STL.pptx
@@ -5,7 +5,7 @@
     <p:sldMasterId id="2147483648" r:id="rId1"/>
   </p:sldMasterIdLst>
   <p:notesMasterIdLst>
-    <p:notesMasterId r:id="rId19"/>
+    <p:notesMasterId r:id="rId22"/>
   </p:notesMasterIdLst>
   <p:sldIdLst>
     <p:sldId id="256" r:id="rId2"/>
@@ -19,12 +19,15 @@
     <p:sldId id="266" r:id="rId10"/>
     <p:sldId id="267" r:id="rId11"/>
     <p:sldId id="268" r:id="rId12"/>
-    <p:sldId id="269" r:id="rId13"/>
-    <p:sldId id="270" r:id="rId14"/>
-    <p:sldId id="271" r:id="rId15"/>
-    <p:sldId id="274" r:id="rId16"/>
-    <p:sldId id="272" r:id="rId17"/>
-    <p:sldId id="273" r:id="rId18"/>
+    <p:sldId id="274" r:id="rId13"/>
+    <p:sldId id="275" r:id="rId14"/>
+    <p:sldId id="276" r:id="rId15"/>
+    <p:sldId id="277" r:id="rId16"/>
+    <p:sldId id="269" r:id="rId17"/>
+    <p:sldId id="270" r:id="rId18"/>
+    <p:sldId id="271" r:id="rId19"/>
+    <p:sldId id="272" r:id="rId20"/>
+    <p:sldId id="273" r:id="rId21"/>
   </p:sldIdLst>
   <p:sldSz cx="12192000" cy="6858000"/>
   <p:notesSz cx="6858000" cy="9144000"/>
@@ -123,6 +126,11 @@
       </a:defRPr>
     </a:lvl9pPr>
   </p:defaultTextStyle>
+  <p:extLst>
+    <p:ext uri="{EFAFB233-063F-42B5-8137-9DF3F51BA10A}">
+      <p15:sldGuideLst xmlns:p15="http://schemas.microsoft.com/office/powerpoint/2012/main"/>
+    </p:ext>
+  </p:extLst>
 </p:presentation>
 </file>
 
@@ -208,7 +216,7 @@
           <a:p>
             <a:fld id="{A5B4F10C-CFF8-4B38-A5CA-FA394A678374}" type="datetimeFigureOut">
               <a:rPr lang="de-DE" smtClean="0"/>
-              <a:t>09.12.2024</a:t>
+              <a:t>12.12.2024</a:t>
             </a:fld>
             <a:endParaRPr lang="de-DE"/>
           </a:p>
@@ -877,7 +885,7 @@
           <a:p>
             <a:fld id="{392F5BA7-4C1B-48FB-86C2-8DC28EE92EB7}" type="datetimeFigureOut">
               <a:rPr lang="de-DE" smtClean="0"/>
-              <a:t>09.12.2024</a:t>
+              <a:t>12.12.2024</a:t>
             </a:fld>
             <a:endParaRPr lang="de-DE"/>
           </a:p>
@@ -1077,7 +1085,7 @@
           <a:p>
             <a:fld id="{392F5BA7-4C1B-48FB-86C2-8DC28EE92EB7}" type="datetimeFigureOut">
               <a:rPr lang="de-DE" smtClean="0"/>
-              <a:t>09.12.2024</a:t>
+              <a:t>12.12.2024</a:t>
             </a:fld>
             <a:endParaRPr lang="de-DE"/>
           </a:p>
@@ -1287,7 +1295,7 @@
           <a:p>
             <a:fld id="{392F5BA7-4C1B-48FB-86C2-8DC28EE92EB7}" type="datetimeFigureOut">
               <a:rPr lang="de-DE" smtClean="0"/>
-              <a:t>09.12.2024</a:t>
+              <a:t>12.12.2024</a:t>
             </a:fld>
             <a:endParaRPr lang="de-DE"/>
           </a:p>
@@ -1487,7 +1495,7 @@
           <a:p>
             <a:fld id="{392F5BA7-4C1B-48FB-86C2-8DC28EE92EB7}" type="datetimeFigureOut">
               <a:rPr lang="de-DE" smtClean="0"/>
-              <a:t>09.12.2024</a:t>
+              <a:t>12.12.2024</a:t>
             </a:fld>
             <a:endParaRPr lang="de-DE"/>
           </a:p>
@@ -1763,7 +1771,7 @@
           <a:p>
             <a:fld id="{392F5BA7-4C1B-48FB-86C2-8DC28EE92EB7}" type="datetimeFigureOut">
               <a:rPr lang="de-DE" smtClean="0"/>
-              <a:t>09.12.2024</a:t>
+              <a:t>12.12.2024</a:t>
             </a:fld>
             <a:endParaRPr lang="de-DE"/>
           </a:p>
@@ -2031,7 +2039,7 @@
           <a:p>
             <a:fld id="{392F5BA7-4C1B-48FB-86C2-8DC28EE92EB7}" type="datetimeFigureOut">
               <a:rPr lang="de-DE" smtClean="0"/>
-              <a:t>09.12.2024</a:t>
+              <a:t>12.12.2024</a:t>
             </a:fld>
             <a:endParaRPr lang="de-DE"/>
           </a:p>
@@ -2446,7 +2454,7 @@
           <a:p>
             <a:fld id="{392F5BA7-4C1B-48FB-86C2-8DC28EE92EB7}" type="datetimeFigureOut">
               <a:rPr lang="de-DE" smtClean="0"/>
-              <a:t>09.12.2024</a:t>
+              <a:t>12.12.2024</a:t>
             </a:fld>
             <a:endParaRPr lang="de-DE"/>
           </a:p>
@@ -2588,7 +2596,7 @@
           <a:p>
             <a:fld id="{392F5BA7-4C1B-48FB-86C2-8DC28EE92EB7}" type="datetimeFigureOut">
               <a:rPr lang="de-DE" smtClean="0"/>
-              <a:t>09.12.2024</a:t>
+              <a:t>12.12.2024</a:t>
             </a:fld>
             <a:endParaRPr lang="de-DE"/>
           </a:p>
@@ -2701,7 +2709,7 @@
           <a:p>
             <a:fld id="{392F5BA7-4C1B-48FB-86C2-8DC28EE92EB7}" type="datetimeFigureOut">
               <a:rPr lang="de-DE" smtClean="0"/>
-              <a:t>09.12.2024</a:t>
+              <a:t>12.12.2024</a:t>
             </a:fld>
             <a:endParaRPr lang="de-DE"/>
           </a:p>
@@ -3014,7 +3022,7 @@
           <a:p>
             <a:fld id="{392F5BA7-4C1B-48FB-86C2-8DC28EE92EB7}" type="datetimeFigureOut">
               <a:rPr lang="de-DE" smtClean="0"/>
-              <a:t>09.12.2024</a:t>
+              <a:t>12.12.2024</a:t>
             </a:fld>
             <a:endParaRPr lang="de-DE"/>
           </a:p>
@@ -3303,7 +3311,7 @@
           <a:p>
             <a:fld id="{392F5BA7-4C1B-48FB-86C2-8DC28EE92EB7}" type="datetimeFigureOut">
               <a:rPr lang="de-DE" smtClean="0"/>
-              <a:t>09.12.2024</a:t>
+              <a:t>12.12.2024</a:t>
             </a:fld>
             <a:endParaRPr lang="de-DE"/>
           </a:p>
@@ -3546,7 +3554,7 @@
           <a:p>
             <a:fld id="{392F5BA7-4C1B-48FB-86C2-8DC28EE92EB7}" type="datetimeFigureOut">
               <a:rPr lang="de-DE" smtClean="0"/>
-              <a:t>09.12.2024</a:t>
+              <a:t>12.12.2024</a:t>
             </a:fld>
             <a:endParaRPr lang="de-DE"/>
           </a:p>
@@ -4292,6 +4300,627 @@
 <file path=ppt/slides/slide12.xml><?xml version="1.0" encoding="utf-8"?>
 <p:sld xmlns:a="http://schemas.openxmlformats.org/drawingml/2006/main" xmlns:r="http://schemas.openxmlformats.org/officeDocument/2006/relationships" xmlns:p="http://schemas.openxmlformats.org/presentationml/2006/main">
   <p:cSld>
+    <p:spTree>
+      <p:nvGrpSpPr>
+        <p:cNvPr id="1" name=""/>
+        <p:cNvGrpSpPr/>
+        <p:nvPr/>
+      </p:nvGrpSpPr>
+      <p:grpSpPr>
+        <a:xfrm>
+          <a:off x="0" y="0"/>
+          <a:ext cx="0" cy="0"/>
+          <a:chOff x="0" y="0"/>
+          <a:chExt cx="0" cy="0"/>
+        </a:xfrm>
+      </p:grpSpPr>
+      <p:sp>
+        <p:nvSpPr>
+          <p:cNvPr id="2" name="Title 1">
+            <a:extLst>
+              <a:ext uri="{FF2B5EF4-FFF2-40B4-BE49-F238E27FC236}">
+                <a16:creationId xmlns:a16="http://schemas.microsoft.com/office/drawing/2014/main" id="{A6BAA7B4-8984-7AF5-A378-D75502DB5746}"/>
+              </a:ext>
+            </a:extLst>
+          </p:cNvPr>
+          <p:cNvSpPr>
+            <a:spLocks noGrp="1"/>
+          </p:cNvSpPr>
+          <p:nvPr>
+            <p:ph type="title"/>
+          </p:nvPr>
+        </p:nvSpPr>
+        <p:spPr/>
+        <p:txBody>
+          <a:bodyPr/>
+          <a:lstStyle/>
+          <a:p>
+            <a:r>
+              <a:rPr lang="de-DE" dirty="0"/>
+              <a:t>Algorithms</a:t>
+            </a:r>
+          </a:p>
+        </p:txBody>
+      </p:sp>
+      <p:sp>
+        <p:nvSpPr>
+          <p:cNvPr id="3" name="Content Placeholder 2">
+            <a:extLst>
+              <a:ext uri="{FF2B5EF4-FFF2-40B4-BE49-F238E27FC236}">
+                <a16:creationId xmlns:a16="http://schemas.microsoft.com/office/drawing/2014/main" id="{6ADAD404-6D58-BE46-93BE-4E4BA6792EB2}"/>
+              </a:ext>
+            </a:extLst>
+          </p:cNvPr>
+          <p:cNvSpPr>
+            <a:spLocks noGrp="1"/>
+          </p:cNvSpPr>
+          <p:nvPr>
+            <p:ph idx="1"/>
+          </p:nvPr>
+        </p:nvSpPr>
+        <p:spPr/>
+        <p:txBody>
+          <a:bodyPr/>
+          <a:lstStyle/>
+          <a:p>
+            <a:r>
+              <a:rPr lang="en-US" dirty="0"/>
+              <a:t>STL algorithms are pre-defined functions in C++ to perform common tasks.</a:t>
+            </a:r>
+          </a:p>
+          <a:p>
+            <a:r>
+              <a:rPr lang="en-US" dirty="0"/>
+              <a:t>Operate on </a:t>
+            </a:r>
+            <a:r>
+              <a:rPr lang="en-US" b="1" dirty="0"/>
+              <a:t>containers</a:t>
+            </a:r>
+            <a:r>
+              <a:rPr lang="en-US" dirty="0"/>
+              <a:t> using </a:t>
+            </a:r>
+            <a:r>
+              <a:rPr lang="en-US" b="1" dirty="0"/>
+              <a:t>iterators</a:t>
+            </a:r>
+            <a:endParaRPr lang="en-US" dirty="0"/>
+          </a:p>
+          <a:p>
+            <a:r>
+              <a:rPr lang="de-DE" dirty="0"/>
+              <a:t>Examples of tasks:</a:t>
+            </a:r>
+          </a:p>
+          <a:p>
+            <a:pPr lvl="1"/>
+            <a:r>
+              <a:rPr lang="en-US" dirty="0"/>
+              <a:t>Searching (std::find) </a:t>
+            </a:r>
+          </a:p>
+          <a:p>
+            <a:pPr lvl="1"/>
+            <a:r>
+              <a:rPr lang="en-US" dirty="0"/>
+              <a:t>Sorting (std::sort) </a:t>
+            </a:r>
+          </a:p>
+          <a:p>
+            <a:pPr lvl="1"/>
+            <a:r>
+              <a:rPr lang="en-US" dirty="0"/>
+              <a:t>Counting (std::count) </a:t>
+            </a:r>
+          </a:p>
+          <a:p>
+            <a:pPr lvl="1"/>
+            <a:r>
+              <a:rPr lang="en-US" dirty="0"/>
+              <a:t>Transformation (std::transform) </a:t>
+            </a:r>
+          </a:p>
+          <a:p>
+            <a:pPr lvl="1"/>
+            <a:r>
+              <a:rPr lang="en-US" dirty="0"/>
+              <a:t>Summation (std::accumulate)</a:t>
+            </a:r>
+            <a:endParaRPr lang="de-DE" dirty="0"/>
+          </a:p>
+        </p:txBody>
+      </p:sp>
+    </p:spTree>
+    <p:extLst>
+      <p:ext uri="{BB962C8B-B14F-4D97-AF65-F5344CB8AC3E}">
+        <p14:creationId xmlns:p14="http://schemas.microsoft.com/office/powerpoint/2010/main" val="912746804"/>
+      </p:ext>
+    </p:extLst>
+  </p:cSld>
+  <p:clrMapOvr>
+    <a:masterClrMapping/>
+  </p:clrMapOvr>
+</p:sld>
+</file>
+
+<file path=ppt/slides/slide13.xml><?xml version="1.0" encoding="utf-8"?>
+<p:sld xmlns:a="http://schemas.openxmlformats.org/drawingml/2006/main" xmlns:r="http://schemas.openxmlformats.org/officeDocument/2006/relationships" xmlns:p="http://schemas.openxmlformats.org/presentationml/2006/main">
+  <p:cSld>
+    <p:spTree>
+      <p:nvGrpSpPr>
+        <p:cNvPr id="1" name=""/>
+        <p:cNvGrpSpPr/>
+        <p:nvPr/>
+      </p:nvGrpSpPr>
+      <p:grpSpPr>
+        <a:xfrm>
+          <a:off x="0" y="0"/>
+          <a:ext cx="0" cy="0"/>
+          <a:chOff x="0" y="0"/>
+          <a:chExt cx="0" cy="0"/>
+        </a:xfrm>
+      </p:grpSpPr>
+      <p:sp>
+        <p:nvSpPr>
+          <p:cNvPr id="2" name="Title 1">
+            <a:extLst>
+              <a:ext uri="{FF2B5EF4-FFF2-40B4-BE49-F238E27FC236}">
+                <a16:creationId xmlns:a16="http://schemas.microsoft.com/office/drawing/2014/main" id="{29E10329-AEE1-A7CE-85D5-CE4F30EDE6C6}"/>
+              </a:ext>
+            </a:extLst>
+          </p:cNvPr>
+          <p:cNvSpPr>
+            <a:spLocks noGrp="1"/>
+          </p:cNvSpPr>
+          <p:nvPr>
+            <p:ph type="title"/>
+          </p:nvPr>
+        </p:nvSpPr>
+        <p:spPr/>
+        <p:txBody>
+          <a:bodyPr/>
+          <a:lstStyle/>
+          <a:p>
+            <a:r>
+              <a:rPr lang="en-US" dirty="0"/>
+              <a:t>Why Use STL Algorithms?</a:t>
+            </a:r>
+            <a:endParaRPr lang="de-DE" dirty="0"/>
+          </a:p>
+        </p:txBody>
+      </p:sp>
+      <p:sp>
+        <p:nvSpPr>
+          <p:cNvPr id="3" name="Content Placeholder 2">
+            <a:extLst>
+              <a:ext uri="{FF2B5EF4-FFF2-40B4-BE49-F238E27FC236}">
+                <a16:creationId xmlns:a16="http://schemas.microsoft.com/office/drawing/2014/main" id="{66869021-22EB-6AE3-42B0-AA4D037709DD}"/>
+              </a:ext>
+            </a:extLst>
+          </p:cNvPr>
+          <p:cNvSpPr>
+            <a:spLocks noGrp="1"/>
+          </p:cNvSpPr>
+          <p:nvPr>
+            <p:ph idx="1"/>
+          </p:nvPr>
+        </p:nvSpPr>
+        <p:spPr/>
+        <p:txBody>
+          <a:bodyPr/>
+          <a:lstStyle/>
+          <a:p>
+            <a:r>
+              <a:rPr lang="en-US" dirty="0"/>
+              <a:t>Efficiency: Highly optimized and faster than custom implementations. </a:t>
+            </a:r>
+          </a:p>
+          <a:p>
+            <a:r>
+              <a:rPr lang="en-US" dirty="0"/>
+              <a:t>Simplicity: Reduces code and improves readability.</a:t>
+            </a:r>
+          </a:p>
+          <a:p>
+            <a:r>
+              <a:rPr lang="en-US" dirty="0"/>
+              <a:t>Reusability: Works with all STL containers (vector, list, map, etc.).</a:t>
+            </a:r>
+          </a:p>
+          <a:p>
+            <a:r>
+              <a:rPr lang="en-US" dirty="0"/>
+              <a:t>Generic Programming: Operates on a wide range of data types and structures.</a:t>
+            </a:r>
+            <a:endParaRPr lang="de-DE" dirty="0"/>
+          </a:p>
+        </p:txBody>
+      </p:sp>
+    </p:spTree>
+    <p:extLst>
+      <p:ext uri="{BB962C8B-B14F-4D97-AF65-F5344CB8AC3E}">
+        <p14:creationId xmlns:p14="http://schemas.microsoft.com/office/powerpoint/2010/main" val="3918526544"/>
+      </p:ext>
+    </p:extLst>
+  </p:cSld>
+  <p:clrMapOvr>
+    <a:masterClrMapping/>
+  </p:clrMapOvr>
+</p:sld>
+</file>
+
+<file path=ppt/slides/slide14.xml><?xml version="1.0" encoding="utf-8"?>
+<p:sld xmlns:a="http://schemas.openxmlformats.org/drawingml/2006/main" xmlns:r="http://schemas.openxmlformats.org/officeDocument/2006/relationships" xmlns:p="http://schemas.openxmlformats.org/presentationml/2006/main">
+  <p:cSld>
+    <p:bg>
+      <p:bgPr>
+        <a:solidFill>
+          <a:schemeClr val="bg1"/>
+        </a:solidFill>
+        <a:effectLst/>
+      </p:bgPr>
+    </p:bg>
+    <p:spTree>
+      <p:nvGrpSpPr>
+        <p:cNvPr id="1" name=""/>
+        <p:cNvGrpSpPr/>
+        <p:nvPr/>
+      </p:nvGrpSpPr>
+      <p:grpSpPr>
+        <a:xfrm>
+          <a:off x="0" y="0"/>
+          <a:ext cx="0" cy="0"/>
+          <a:chOff x="0" y="0"/>
+          <a:chExt cx="0" cy="0"/>
+        </a:xfrm>
+      </p:grpSpPr>
+      <p:sp>
+        <p:nvSpPr>
+          <p:cNvPr id="10" name="Down Arrow 7">
+            <a:extLst>
+              <a:ext uri="{FF2B5EF4-FFF2-40B4-BE49-F238E27FC236}">
+                <a16:creationId xmlns:a16="http://schemas.microsoft.com/office/drawing/2014/main" id="{D4771268-CB57-404A-9271-370EB28F6090}"/>
+              </a:ext>
+              <a:ext uri="{C183D7F6-B498-43B3-948B-1728B52AA6E4}">
+                <adec:decorative xmlns:adec="http://schemas.microsoft.com/office/drawing/2017/decorative" val="1"/>
+              </a:ext>
+            </a:extLst>
+          </p:cNvPr>
+          <p:cNvSpPr>
+            <a:spLocks noGrp="1" noRot="1" noChangeAspect="1" noMove="1" noResize="1" noEditPoints="1" noAdjustHandles="1" noChangeArrowheads="1" noChangeShapeType="1" noTextEdit="1"/>
+          </p:cNvSpPr>
+          <p:nvPr>
+            <p:extLst>
+              <p:ext uri="{386F3935-93C4-4BCD-93E2-E3B085C9AB24}">
+                <p16:designElem xmlns:p16="http://schemas.microsoft.com/office/powerpoint/2015/main" val="1"/>
+              </p:ext>
+            </p:extLst>
+          </p:nvPr>
+        </p:nvSpPr>
+        <p:spPr>
+          <a:xfrm rot="16200000">
+            <a:off x="800100" y="1491343"/>
+            <a:ext cx="3333749" cy="3499103"/>
+          </a:xfrm>
+          <a:prstGeom prst="downArrow">
+            <a:avLst>
+              <a:gd name="adj1" fmla="val 100000"/>
+              <a:gd name="adj2" fmla="val 15788"/>
+            </a:avLst>
+          </a:prstGeom>
+          <a:solidFill>
+            <a:srgbClr val="404040"/>
+          </a:solidFill>
+          <a:ln w="53975">
+            <a:noFill/>
+          </a:ln>
+        </p:spPr>
+        <p:style>
+          <a:lnRef idx="2">
+            <a:schemeClr val="accent1">
+              <a:shade val="50000"/>
+            </a:schemeClr>
+          </a:lnRef>
+          <a:fillRef idx="1">
+            <a:schemeClr val="accent1"/>
+          </a:fillRef>
+          <a:effectRef idx="0">
+            <a:schemeClr val="accent1"/>
+          </a:effectRef>
+          <a:fontRef idx="minor">
+            <a:schemeClr val="lt1"/>
+          </a:fontRef>
+        </p:style>
+        <p:txBody>
+          <a:bodyPr rtlCol="0" anchor="ctr"/>
+          <a:lstStyle/>
+          <a:p>
+            <a:pPr algn="ctr"/>
+            <a:endParaRPr lang="en-US"/>
+          </a:p>
+        </p:txBody>
+      </p:sp>
+      <p:sp>
+        <p:nvSpPr>
+          <p:cNvPr id="2" name="Title 1">
+            <a:extLst>
+              <a:ext uri="{FF2B5EF4-FFF2-40B4-BE49-F238E27FC236}">
+                <a16:creationId xmlns:a16="http://schemas.microsoft.com/office/drawing/2014/main" id="{37965993-348D-E692-385F-C20A412F4A23}"/>
+              </a:ext>
+            </a:extLst>
+          </p:cNvPr>
+          <p:cNvSpPr>
+            <a:spLocks noGrp="1"/>
+          </p:cNvSpPr>
+          <p:nvPr>
+            <p:ph type="title"/>
+          </p:nvPr>
+        </p:nvSpPr>
+        <p:spPr>
+          <a:xfrm>
+            <a:off x="1028700" y="1967266"/>
+            <a:ext cx="2628900" cy="2547257"/>
+          </a:xfrm>
+          <a:noFill/>
+        </p:spPr>
+        <p:txBody>
+          <a:bodyPr vert="horz" lIns="91440" tIns="45720" rIns="91440" bIns="45720" rtlCol="0" anchor="ctr">
+            <a:normAutofit/>
+          </a:bodyPr>
+          <a:lstStyle/>
+          <a:p>
+            <a:pPr algn="ctr"/>
+            <a:r>
+              <a:rPr lang="en-US" sz="3600" dirty="0">
+                <a:solidFill>
+                  <a:srgbClr val="FFFFFF"/>
+                </a:solidFill>
+              </a:rPr>
+              <a:t>F</a:t>
+            </a:r>
+            <a:r>
+              <a:rPr lang="en-US" sz="3600" kern="1200" dirty="0">
+                <a:solidFill>
+                  <a:srgbClr val="FFFFFF"/>
+                </a:solidFill>
+                <a:latin typeface="+mj-lt"/>
+                <a:ea typeface="+mj-ea"/>
+                <a:cs typeface="+mj-cs"/>
+              </a:rPr>
+              <a:t>ind</a:t>
+            </a:r>
+          </a:p>
+        </p:txBody>
+      </p:sp>
+      <p:pic>
+        <p:nvPicPr>
+          <p:cNvPr id="5" name="Content Placeholder 4">
+            <a:extLst>
+              <a:ext uri="{FF2B5EF4-FFF2-40B4-BE49-F238E27FC236}">
+                <a16:creationId xmlns:a16="http://schemas.microsoft.com/office/drawing/2014/main" id="{F59CA65E-E778-2F48-F289-89BFBCFE9C9E}"/>
+              </a:ext>
+            </a:extLst>
+          </p:cNvPr>
+          <p:cNvPicPr>
+            <a:picLocks noGrp="1" noChangeAspect="1"/>
+          </p:cNvPicPr>
+          <p:nvPr>
+            <p:ph idx="1"/>
+          </p:nvPr>
+        </p:nvPicPr>
+        <p:blipFill>
+          <a:blip r:embed="rId2"/>
+          <a:stretch>
+            <a:fillRect/>
+          </a:stretch>
+        </p:blipFill>
+        <p:spPr>
+          <a:xfrm>
+            <a:off x="4777316" y="995259"/>
+            <a:ext cx="6780700" cy="4865152"/>
+          </a:xfrm>
+          <a:prstGeom prst="rect">
+            <a:avLst/>
+          </a:prstGeom>
+        </p:spPr>
+      </p:pic>
+    </p:spTree>
+    <p:extLst>
+      <p:ext uri="{BB962C8B-B14F-4D97-AF65-F5344CB8AC3E}">
+        <p14:creationId xmlns:p14="http://schemas.microsoft.com/office/powerpoint/2010/main" val="2824736046"/>
+      </p:ext>
+    </p:extLst>
+  </p:cSld>
+  <p:clrMapOvr>
+    <a:masterClrMapping/>
+  </p:clrMapOvr>
+</p:sld>
+</file>
+
+<file path=ppt/slides/slide15.xml><?xml version="1.0" encoding="utf-8"?>
+<p:sld xmlns:a="http://schemas.openxmlformats.org/drawingml/2006/main" xmlns:r="http://schemas.openxmlformats.org/officeDocument/2006/relationships" xmlns:p="http://schemas.openxmlformats.org/presentationml/2006/main">
+  <p:cSld>
+    <p:bg>
+      <p:bgPr>
+        <a:solidFill>
+          <a:schemeClr val="bg1"/>
+        </a:solidFill>
+        <a:effectLst/>
+      </p:bgPr>
+    </p:bg>
+    <p:spTree>
+      <p:nvGrpSpPr>
+        <p:cNvPr id="1" name=""/>
+        <p:cNvGrpSpPr/>
+        <p:nvPr/>
+      </p:nvGrpSpPr>
+      <p:grpSpPr>
+        <a:xfrm>
+          <a:off x="0" y="0"/>
+          <a:ext cx="0" cy="0"/>
+          <a:chOff x="0" y="0"/>
+          <a:chExt cx="0" cy="0"/>
+        </a:xfrm>
+      </p:grpSpPr>
+      <p:sp>
+        <p:nvSpPr>
+          <p:cNvPr id="11" name="Down Arrow 7">
+            <a:extLst>
+              <a:ext uri="{FF2B5EF4-FFF2-40B4-BE49-F238E27FC236}">
+                <a16:creationId xmlns:a16="http://schemas.microsoft.com/office/drawing/2014/main" id="{D4771268-CB57-404A-9271-370EB28F6090}"/>
+              </a:ext>
+              <a:ext uri="{C183D7F6-B498-43B3-948B-1728B52AA6E4}">
+                <adec:decorative xmlns:adec="http://schemas.microsoft.com/office/drawing/2017/decorative" val="1"/>
+              </a:ext>
+            </a:extLst>
+          </p:cNvPr>
+          <p:cNvSpPr>
+            <a:spLocks noGrp="1" noRot="1" noChangeAspect="1" noMove="1" noResize="1" noEditPoints="1" noAdjustHandles="1" noChangeArrowheads="1" noChangeShapeType="1" noTextEdit="1"/>
+          </p:cNvSpPr>
+          <p:nvPr>
+            <p:extLst>
+              <p:ext uri="{386F3935-93C4-4BCD-93E2-E3B085C9AB24}">
+                <p16:designElem xmlns:p16="http://schemas.microsoft.com/office/powerpoint/2015/main" val="1"/>
+              </p:ext>
+            </p:extLst>
+          </p:nvPr>
+        </p:nvSpPr>
+        <p:spPr>
+          <a:xfrm rot="16200000">
+            <a:off x="800100" y="1491343"/>
+            <a:ext cx="3333749" cy="3499103"/>
+          </a:xfrm>
+          <a:prstGeom prst="downArrow">
+            <a:avLst>
+              <a:gd name="adj1" fmla="val 100000"/>
+              <a:gd name="adj2" fmla="val 15788"/>
+            </a:avLst>
+          </a:prstGeom>
+          <a:solidFill>
+            <a:srgbClr val="404040"/>
+          </a:solidFill>
+          <a:ln w="53975">
+            <a:noFill/>
+          </a:ln>
+        </p:spPr>
+        <p:style>
+          <a:lnRef idx="2">
+            <a:schemeClr val="accent1">
+              <a:shade val="50000"/>
+            </a:schemeClr>
+          </a:lnRef>
+          <a:fillRef idx="1">
+            <a:schemeClr val="accent1"/>
+          </a:fillRef>
+          <a:effectRef idx="0">
+            <a:schemeClr val="accent1"/>
+          </a:effectRef>
+          <a:fontRef idx="minor">
+            <a:schemeClr val="lt1"/>
+          </a:fontRef>
+        </p:style>
+        <p:txBody>
+          <a:bodyPr rtlCol="0" anchor="ctr"/>
+          <a:lstStyle/>
+          <a:p>
+            <a:pPr algn="ctr"/>
+            <a:endParaRPr lang="en-US"/>
+          </a:p>
+        </p:txBody>
+      </p:sp>
+      <p:sp>
+        <p:nvSpPr>
+          <p:cNvPr id="2" name="Title 1">
+            <a:extLst>
+              <a:ext uri="{FF2B5EF4-FFF2-40B4-BE49-F238E27FC236}">
+                <a16:creationId xmlns:a16="http://schemas.microsoft.com/office/drawing/2014/main" id="{A6C06B1E-40B1-43D6-37B0-2CC01F9AFBA5}"/>
+              </a:ext>
+            </a:extLst>
+          </p:cNvPr>
+          <p:cNvSpPr>
+            <a:spLocks noGrp="1"/>
+          </p:cNvSpPr>
+          <p:nvPr>
+            <p:ph type="title"/>
+          </p:nvPr>
+        </p:nvSpPr>
+        <p:spPr>
+          <a:xfrm>
+            <a:off x="1028700" y="1967266"/>
+            <a:ext cx="2628900" cy="2547257"/>
+          </a:xfrm>
+          <a:noFill/>
+        </p:spPr>
+        <p:txBody>
+          <a:bodyPr vert="horz" lIns="91440" tIns="45720" rIns="91440" bIns="45720" rtlCol="0" anchor="ctr">
+            <a:normAutofit/>
+          </a:bodyPr>
+          <a:lstStyle/>
+          <a:p>
+            <a:pPr algn="ctr"/>
+            <a:r>
+              <a:rPr lang="en-US" sz="3600" kern="1200">
+                <a:solidFill>
+                  <a:srgbClr val="FFFFFF"/>
+                </a:solidFill>
+                <a:latin typeface="+mj-lt"/>
+                <a:ea typeface="+mj-ea"/>
+                <a:cs typeface="+mj-cs"/>
+              </a:rPr>
+              <a:t>Sort</a:t>
+            </a:r>
+          </a:p>
+        </p:txBody>
+      </p:sp>
+      <p:pic>
+        <p:nvPicPr>
+          <p:cNvPr id="6" name="Content Placeholder 5">
+            <a:extLst>
+              <a:ext uri="{FF2B5EF4-FFF2-40B4-BE49-F238E27FC236}">
+                <a16:creationId xmlns:a16="http://schemas.microsoft.com/office/drawing/2014/main" id="{CF33303F-DB1C-C18C-75F8-845F486B6EE2}"/>
+              </a:ext>
+            </a:extLst>
+          </p:cNvPr>
+          <p:cNvPicPr>
+            <a:picLocks noGrp="1" noChangeAspect="1"/>
+          </p:cNvPicPr>
+          <p:nvPr>
+            <p:ph idx="1"/>
+          </p:nvPr>
+        </p:nvPicPr>
+        <p:blipFill>
+          <a:blip r:embed="rId2"/>
+          <a:stretch>
+            <a:fillRect/>
+          </a:stretch>
+        </p:blipFill>
+        <p:spPr>
+          <a:xfrm>
+            <a:off x="4777316" y="1012211"/>
+            <a:ext cx="6780700" cy="4831248"/>
+          </a:xfrm>
+          <a:prstGeom prst="rect">
+            <a:avLst/>
+          </a:prstGeom>
+        </p:spPr>
+      </p:pic>
+    </p:spTree>
+    <p:extLst>
+      <p:ext uri="{BB962C8B-B14F-4D97-AF65-F5344CB8AC3E}">
+        <p14:creationId xmlns:p14="http://schemas.microsoft.com/office/powerpoint/2010/main" val="3824434271"/>
+      </p:ext>
+    </p:extLst>
+  </p:cSld>
+  <p:clrMapOvr>
+    <a:masterClrMapping/>
+  </p:clrMapOvr>
+</p:sld>
+</file>
+
+<file path=ppt/slides/slide16.xml><?xml version="1.0" encoding="utf-8"?>
+<p:sld xmlns:a="http://schemas.openxmlformats.org/drawingml/2006/main" xmlns:r="http://schemas.openxmlformats.org/officeDocument/2006/relationships" xmlns:p="http://schemas.openxmlformats.org/presentationml/2006/main">
+  <p:cSld>
     <p:bg>
       <p:bgPr>
         <a:solidFill>
@@ -4555,7 +5184,7 @@
 </p:sld>
 </file>
 
-<file path=ppt/slides/slide13.xml><?xml version="1.0" encoding="utf-8"?>
+<file path=ppt/slides/slide17.xml><?xml version="1.0" encoding="utf-8"?>
 <p:sld xmlns:a="http://schemas.openxmlformats.org/drawingml/2006/main" xmlns:r="http://schemas.openxmlformats.org/officeDocument/2006/relationships" xmlns:p="http://schemas.openxmlformats.org/presentationml/2006/main">
   <p:cSld>
     <p:spTree>
@@ -4614,7 +5243,7 @@
 </p:sld>
 </file>
 
-<file path=ppt/slides/slide14.xml><?xml version="1.0" encoding="utf-8"?>
+<file path=ppt/slides/slide18.xml><?xml version="1.0" encoding="utf-8"?>
 <p:sld xmlns:a="http://schemas.openxmlformats.org/drawingml/2006/main" xmlns:r="http://schemas.openxmlformats.org/officeDocument/2006/relationships" xmlns:p="http://schemas.openxmlformats.org/presentationml/2006/main">
   <p:cSld>
     <p:spTree>
@@ -4673,7 +5302,7 @@
 </p:sld>
 </file>
 
-<file path=ppt/slides/slide15.xml><?xml version="1.0" encoding="utf-8"?>
+<file path=ppt/slides/slide19.xml><?xml version="1.0" encoding="utf-8"?>
 <p:sld xmlns:a="http://schemas.openxmlformats.org/drawingml/2006/main" xmlns:r="http://schemas.openxmlformats.org/officeDocument/2006/relationships" xmlns:p="http://schemas.openxmlformats.org/presentationml/2006/main">
   <p:cSld>
     <p:spTree>
@@ -4695,89 +5324,6 @@
           <p:cNvPr id="2" name="Title 1">
             <a:extLst>
               <a:ext uri="{FF2B5EF4-FFF2-40B4-BE49-F238E27FC236}">
-                <a16:creationId xmlns:a16="http://schemas.microsoft.com/office/drawing/2014/main" id="{A6BAA7B4-8984-7AF5-A378-D75502DB5746}"/>
-              </a:ext>
-            </a:extLst>
-          </p:cNvPr>
-          <p:cNvSpPr>
-            <a:spLocks noGrp="1"/>
-          </p:cNvSpPr>
-          <p:nvPr>
-            <p:ph type="title"/>
-          </p:nvPr>
-        </p:nvSpPr>
-        <p:spPr/>
-        <p:txBody>
-          <a:bodyPr/>
-          <a:lstStyle/>
-          <a:p>
-            <a:r>
-              <a:rPr lang="de-DE" dirty="0"/>
-              <a:t>Algorithms</a:t>
-            </a:r>
-          </a:p>
-        </p:txBody>
-      </p:sp>
-      <p:sp>
-        <p:nvSpPr>
-          <p:cNvPr id="3" name="Content Placeholder 2">
-            <a:extLst>
-              <a:ext uri="{FF2B5EF4-FFF2-40B4-BE49-F238E27FC236}">
-                <a16:creationId xmlns:a16="http://schemas.microsoft.com/office/drawing/2014/main" id="{6ADAD404-6D58-BE46-93BE-4E4BA6792EB2}"/>
-              </a:ext>
-            </a:extLst>
-          </p:cNvPr>
-          <p:cNvSpPr>
-            <a:spLocks noGrp="1"/>
-          </p:cNvSpPr>
-          <p:nvPr>
-            <p:ph idx="1"/>
-          </p:nvPr>
-        </p:nvSpPr>
-        <p:spPr/>
-        <p:txBody>
-          <a:bodyPr/>
-          <a:lstStyle/>
-          <a:p>
-            <a:endParaRPr lang="de-DE" dirty="0"/>
-          </a:p>
-        </p:txBody>
-      </p:sp>
-    </p:spTree>
-    <p:extLst>
-      <p:ext uri="{BB962C8B-B14F-4D97-AF65-F5344CB8AC3E}">
-        <p14:creationId xmlns:p14="http://schemas.microsoft.com/office/powerpoint/2010/main" val="912746804"/>
-      </p:ext>
-    </p:extLst>
-  </p:cSld>
-  <p:clrMapOvr>
-    <a:masterClrMapping/>
-  </p:clrMapOvr>
-</p:sld>
-</file>
-
-<file path=ppt/slides/slide16.xml><?xml version="1.0" encoding="utf-8"?>
-<p:sld xmlns:a="http://schemas.openxmlformats.org/drawingml/2006/main" xmlns:r="http://schemas.openxmlformats.org/officeDocument/2006/relationships" xmlns:p="http://schemas.openxmlformats.org/presentationml/2006/main">
-  <p:cSld>
-    <p:spTree>
-      <p:nvGrpSpPr>
-        <p:cNvPr id="1" name=""/>
-        <p:cNvGrpSpPr/>
-        <p:nvPr/>
-      </p:nvGrpSpPr>
-      <p:grpSpPr>
-        <a:xfrm>
-          <a:off x="0" y="0"/>
-          <a:ext cx="0" cy="0"/>
-          <a:chOff x="0" y="0"/>
-          <a:chExt cx="0" cy="0"/>
-        </a:xfrm>
-      </p:grpSpPr>
-      <p:sp>
-        <p:nvSpPr>
-          <p:cNvPr id="2" name="Title 1">
-            <a:extLst>
-              <a:ext uri="{FF2B5EF4-FFF2-40B4-BE49-F238E27FC236}">
                 <a16:creationId xmlns:a16="http://schemas.microsoft.com/office/drawing/2014/main" id="{9971DEFE-309A-DF2F-7528-1A7DC2A0DEAC}"/>
               </a:ext>
             </a:extLst>
@@ -4811,88 +5357,6 @@
     <p:extLst>
       <p:ext uri="{BB962C8B-B14F-4D97-AF65-F5344CB8AC3E}">
         <p14:creationId xmlns:p14="http://schemas.microsoft.com/office/powerpoint/2010/main" val="490728170"/>
-      </p:ext>
-    </p:extLst>
-  </p:cSld>
-  <p:clrMapOvr>
-    <a:masterClrMapping/>
-  </p:clrMapOvr>
-</p:sld>
-</file>
-
-<file path=ppt/slides/slide17.xml><?xml version="1.0" encoding="utf-8"?>
-<p:sld xmlns:a="http://schemas.openxmlformats.org/drawingml/2006/main" xmlns:r="http://schemas.openxmlformats.org/officeDocument/2006/relationships" xmlns:p="http://schemas.openxmlformats.org/presentationml/2006/main">
-  <p:cSld>
-    <p:spTree>
-      <p:nvGrpSpPr>
-        <p:cNvPr id="1" name=""/>
-        <p:cNvGrpSpPr/>
-        <p:nvPr/>
-      </p:nvGrpSpPr>
-      <p:grpSpPr>
-        <a:xfrm>
-          <a:off x="0" y="0"/>
-          <a:ext cx="0" cy="0"/>
-          <a:chOff x="0" y="0"/>
-          <a:chExt cx="0" cy="0"/>
-        </a:xfrm>
-      </p:grpSpPr>
-      <p:sp>
-        <p:nvSpPr>
-          <p:cNvPr id="2" name="Title 1">
-            <a:extLst>
-              <a:ext uri="{FF2B5EF4-FFF2-40B4-BE49-F238E27FC236}">
-                <a16:creationId xmlns:a16="http://schemas.microsoft.com/office/drawing/2014/main" id="{65B4A132-CDD9-13F1-08AA-D7266888C628}"/>
-              </a:ext>
-            </a:extLst>
-          </p:cNvPr>
-          <p:cNvSpPr>
-            <a:spLocks noGrp="1"/>
-          </p:cNvSpPr>
-          <p:nvPr>
-            <p:ph type="title"/>
-          </p:nvPr>
-        </p:nvSpPr>
-        <p:spPr/>
-        <p:txBody>
-          <a:bodyPr/>
-          <a:lstStyle/>
-          <a:p>
-            <a:endParaRPr lang="de-DE"/>
-          </a:p>
-        </p:txBody>
-      </p:sp>
-      <p:sp>
-        <p:nvSpPr>
-          <p:cNvPr id="3" name="Content Placeholder 2">
-            <a:extLst>
-              <a:ext uri="{FF2B5EF4-FFF2-40B4-BE49-F238E27FC236}">
-                <a16:creationId xmlns:a16="http://schemas.microsoft.com/office/drawing/2014/main" id="{612E0BE1-5442-8C05-9978-D072431DF419}"/>
-              </a:ext>
-            </a:extLst>
-          </p:cNvPr>
-          <p:cNvSpPr>
-            <a:spLocks noGrp="1"/>
-          </p:cNvSpPr>
-          <p:nvPr>
-            <p:ph idx="1"/>
-          </p:nvPr>
-        </p:nvSpPr>
-        <p:spPr/>
-        <p:txBody>
-          <a:bodyPr>
-            <a:normAutofit/>
-          </a:bodyPr>
-          <a:lstStyle/>
-          <a:p>
-            <a:endParaRPr lang="de-DE" dirty="0"/>
-          </a:p>
-        </p:txBody>
-      </p:sp>
-    </p:spTree>
-    <p:extLst>
-      <p:ext uri="{BB962C8B-B14F-4D97-AF65-F5344CB8AC3E}">
-        <p14:creationId xmlns:p14="http://schemas.microsoft.com/office/powerpoint/2010/main" val="3423437830"/>
       </p:ext>
     </p:extLst>
   </p:cSld>
@@ -5010,6 +5474,88 @@
     <p:extLst>
       <p:ext uri="{BB962C8B-B14F-4D97-AF65-F5344CB8AC3E}">
         <p14:creationId xmlns:p14="http://schemas.microsoft.com/office/powerpoint/2010/main" val="77104911"/>
+      </p:ext>
+    </p:extLst>
+  </p:cSld>
+  <p:clrMapOvr>
+    <a:masterClrMapping/>
+  </p:clrMapOvr>
+</p:sld>
+</file>
+
+<file path=ppt/slides/slide20.xml><?xml version="1.0" encoding="utf-8"?>
+<p:sld xmlns:a="http://schemas.openxmlformats.org/drawingml/2006/main" xmlns:r="http://schemas.openxmlformats.org/officeDocument/2006/relationships" xmlns:p="http://schemas.openxmlformats.org/presentationml/2006/main">
+  <p:cSld>
+    <p:spTree>
+      <p:nvGrpSpPr>
+        <p:cNvPr id="1" name=""/>
+        <p:cNvGrpSpPr/>
+        <p:nvPr/>
+      </p:nvGrpSpPr>
+      <p:grpSpPr>
+        <a:xfrm>
+          <a:off x="0" y="0"/>
+          <a:ext cx="0" cy="0"/>
+          <a:chOff x="0" y="0"/>
+          <a:chExt cx="0" cy="0"/>
+        </a:xfrm>
+      </p:grpSpPr>
+      <p:sp>
+        <p:nvSpPr>
+          <p:cNvPr id="2" name="Title 1">
+            <a:extLst>
+              <a:ext uri="{FF2B5EF4-FFF2-40B4-BE49-F238E27FC236}">
+                <a16:creationId xmlns:a16="http://schemas.microsoft.com/office/drawing/2014/main" id="{65B4A132-CDD9-13F1-08AA-D7266888C628}"/>
+              </a:ext>
+            </a:extLst>
+          </p:cNvPr>
+          <p:cNvSpPr>
+            <a:spLocks noGrp="1"/>
+          </p:cNvSpPr>
+          <p:nvPr>
+            <p:ph type="title"/>
+          </p:nvPr>
+        </p:nvSpPr>
+        <p:spPr/>
+        <p:txBody>
+          <a:bodyPr/>
+          <a:lstStyle/>
+          <a:p>
+            <a:endParaRPr lang="de-DE"/>
+          </a:p>
+        </p:txBody>
+      </p:sp>
+      <p:sp>
+        <p:nvSpPr>
+          <p:cNvPr id="3" name="Content Placeholder 2">
+            <a:extLst>
+              <a:ext uri="{FF2B5EF4-FFF2-40B4-BE49-F238E27FC236}">
+                <a16:creationId xmlns:a16="http://schemas.microsoft.com/office/drawing/2014/main" id="{612E0BE1-5442-8C05-9978-D072431DF419}"/>
+              </a:ext>
+            </a:extLst>
+          </p:cNvPr>
+          <p:cNvSpPr>
+            <a:spLocks noGrp="1"/>
+          </p:cNvSpPr>
+          <p:nvPr>
+            <p:ph idx="1"/>
+          </p:nvPr>
+        </p:nvSpPr>
+        <p:spPr/>
+        <p:txBody>
+          <a:bodyPr>
+            <a:normAutofit/>
+          </a:bodyPr>
+          <a:lstStyle/>
+          <a:p>
+            <a:endParaRPr lang="de-DE" dirty="0"/>
+          </a:p>
+        </p:txBody>
+      </p:sp>
+    </p:spTree>
+    <p:extLst>
+      <p:ext uri="{BB962C8B-B14F-4D97-AF65-F5344CB8AC3E}">
+        <p14:creationId xmlns:p14="http://schemas.microsoft.com/office/powerpoint/2010/main" val="3423437830"/>
       </p:ext>
     </p:extLst>
   </p:cSld>

--- a/C++/Tutoring/Lectures/WS-24/STL/STL.pptx
+++ b/C++/Tutoring/Lectures/WS-24/STL/STL.pptx
@@ -5521,7 +5521,10 @@
           <a:bodyPr/>
           <a:lstStyle/>
           <a:p>
-            <a:endParaRPr lang="de-DE"/>
+            <a:r>
+              <a:rPr lang="de-DE" dirty="0"/>
+              <a:t>Lamda Functions</a:t>
+            </a:r>
           </a:p>
         </p:txBody>
       </p:sp>
@@ -5548,7 +5551,10 @@
           </a:bodyPr>
           <a:lstStyle/>
           <a:p>
-            <a:endParaRPr lang="de-DE" dirty="0"/>
+            <a:r>
+              <a:rPr lang="de-DE" dirty="0"/>
+              <a:t>Until Next time</a:t>
+            </a:r>
           </a:p>
         </p:txBody>
       </p:sp>

--- a/C++/Tutoring/Lectures/WS-24/STL/STL.pptx
+++ b/C++/Tutoring/Lectures/WS-24/STL/STL.pptx
@@ -5,7 +5,7 @@
     <p:sldMasterId id="2147483648" r:id="rId1"/>
   </p:sldMasterIdLst>
   <p:notesMasterIdLst>
-    <p:notesMasterId r:id="rId22"/>
+    <p:notesMasterId r:id="rId23"/>
   </p:notesMasterIdLst>
   <p:sldIdLst>
     <p:sldId id="256" r:id="rId2"/>
@@ -26,8 +26,9 @@
     <p:sldId id="269" r:id="rId17"/>
     <p:sldId id="270" r:id="rId18"/>
     <p:sldId id="271" r:id="rId19"/>
-    <p:sldId id="272" r:id="rId20"/>
-    <p:sldId id="273" r:id="rId21"/>
+    <p:sldId id="278" r:id="rId20"/>
+    <p:sldId id="272" r:id="rId21"/>
+    <p:sldId id="273" r:id="rId22"/>
   </p:sldIdLst>
   <p:sldSz cx="12192000" cy="6858000"/>
   <p:notesSz cx="6858000" cy="9144000"/>
@@ -4161,7 +4162,7 @@
           <a:p>
             <a:r>
               <a:rPr lang="en-US" b="1" dirty="0"/>
-              <a:t>Iterators</a:t>
+              <a:t>F</a:t>
             </a:r>
             <a:endParaRPr lang="de-DE" b="1" dirty="0"/>
           </a:p>
@@ -4279,7 +4280,7 @@
             <a:pPr algn="ctr"/>
             <a:r>
               <a:rPr lang="de-DE" b="1" dirty="0"/>
-              <a:t>IDE</a:t>
+              <a:t>IDE – Iterators</a:t>
             </a:r>
           </a:p>
         </p:txBody>
@@ -5324,7 +5325,7 @@
           <p:cNvPr id="2" name="Title 1">
             <a:extLst>
               <a:ext uri="{FF2B5EF4-FFF2-40B4-BE49-F238E27FC236}">
-                <a16:creationId xmlns:a16="http://schemas.microsoft.com/office/drawing/2014/main" id="{9971DEFE-309A-DF2F-7528-1A7DC2A0DEAC}"/>
+                <a16:creationId xmlns:a16="http://schemas.microsoft.com/office/drawing/2014/main" id="{8E956572-2EA9-BC36-04AD-A22809B95B0E}"/>
               </a:ext>
             </a:extLst>
           </p:cNvPr>
@@ -5348,7 +5349,7 @@
             <a:pPr algn="ctr"/>
             <a:r>
               <a:rPr lang="de-DE" b="1" dirty="0"/>
-              <a:t>IDE (Functors + Algorithm + Container)</a:t>
+              <a:t>IDE – Functors</a:t>
             </a:r>
           </a:p>
         </p:txBody>
@@ -5356,7 +5357,7 @@
     </p:spTree>
     <p:extLst>
       <p:ext uri="{BB962C8B-B14F-4D97-AF65-F5344CB8AC3E}">
-        <p14:creationId xmlns:p14="http://schemas.microsoft.com/office/powerpoint/2010/main" val="490728170"/>
+        <p14:creationId xmlns:p14="http://schemas.microsoft.com/office/powerpoint/2010/main" val="3532145415"/>
       </p:ext>
     </p:extLst>
   </p:cSld>
@@ -5484,6 +5485,70 @@
 </file>
 
 <file path=ppt/slides/slide20.xml><?xml version="1.0" encoding="utf-8"?>
+<p:sld xmlns:a="http://schemas.openxmlformats.org/drawingml/2006/main" xmlns:r="http://schemas.openxmlformats.org/officeDocument/2006/relationships" xmlns:p="http://schemas.openxmlformats.org/presentationml/2006/main">
+  <p:cSld>
+    <p:spTree>
+      <p:nvGrpSpPr>
+        <p:cNvPr id="1" name=""/>
+        <p:cNvGrpSpPr/>
+        <p:nvPr/>
+      </p:nvGrpSpPr>
+      <p:grpSpPr>
+        <a:xfrm>
+          <a:off x="0" y="0"/>
+          <a:ext cx="0" cy="0"/>
+          <a:chOff x="0" y="0"/>
+          <a:chExt cx="0" cy="0"/>
+        </a:xfrm>
+      </p:grpSpPr>
+      <p:sp>
+        <p:nvSpPr>
+          <p:cNvPr id="2" name="Title 1">
+            <a:extLst>
+              <a:ext uri="{FF2B5EF4-FFF2-40B4-BE49-F238E27FC236}">
+                <a16:creationId xmlns:a16="http://schemas.microsoft.com/office/drawing/2014/main" id="{9971DEFE-309A-DF2F-7528-1A7DC2A0DEAC}"/>
+              </a:ext>
+            </a:extLst>
+          </p:cNvPr>
+          <p:cNvSpPr>
+            <a:spLocks noGrp="1"/>
+          </p:cNvSpPr>
+          <p:nvPr>
+            <p:ph type="title"/>
+          </p:nvPr>
+        </p:nvSpPr>
+        <p:spPr>
+          <a:xfrm>
+            <a:off x="838200" y="2766218"/>
+            <a:ext cx="10515600" cy="1325563"/>
+          </a:xfrm>
+        </p:spPr>
+        <p:txBody>
+          <a:bodyPr/>
+          <a:lstStyle/>
+          <a:p>
+            <a:pPr algn="ctr"/>
+            <a:r>
+              <a:rPr lang="de-DE" b="1" dirty="0"/>
+              <a:t>IDE (Container + Algorithm + Functors )</a:t>
+            </a:r>
+          </a:p>
+        </p:txBody>
+      </p:sp>
+    </p:spTree>
+    <p:extLst>
+      <p:ext uri="{BB962C8B-B14F-4D97-AF65-F5344CB8AC3E}">
+        <p14:creationId xmlns:p14="http://schemas.microsoft.com/office/powerpoint/2010/main" val="490728170"/>
+      </p:ext>
+    </p:extLst>
+  </p:cSld>
+  <p:clrMapOvr>
+    <a:masterClrMapping/>
+  </p:clrMapOvr>
+</p:sld>
+</file>
+
+<file path=ppt/slides/slide21.xml><?xml version="1.0" encoding="utf-8"?>
 <p:sld xmlns:a="http://schemas.openxmlformats.org/drawingml/2006/main" xmlns:r="http://schemas.openxmlformats.org/officeDocument/2006/relationships" xmlns:p="http://schemas.openxmlformats.org/presentationml/2006/main">
   <p:cSld>
     <p:spTree>

--- a/C++/Tutoring/Lectures/WS-24/STL/STL.pptx
+++ b/C++/Tutoring/Lectures/WS-24/STL/STL.pptx
@@ -4161,8 +4161,8 @@
           <a:lstStyle/>
           <a:p>
             <a:r>
-              <a:rPr lang="en-US" b="1" dirty="0"/>
-              <a:t>F</a:t>
+              <a:rPr lang="en-DE" b="1" dirty="0"/>
+              <a:t>Iterators</a:t>
             </a:r>
             <a:endParaRPr lang="de-DE" b="1" dirty="0"/>
           </a:p>
